--- a/challenge#4/Challenge4_Group4.pptx
+++ b/challenge#4/Challenge4_Group4.pptx
@@ -114,7 +114,7 @@
   </p:defaultTextStyle>
   <p:extLst>
     <p:ext uri="{EFAFB233-063F-42B5-8137-9DF3F51BA10A}">
-      <p15:sldGuideLst xmlns:p15="http://schemas.microsoft.com/office/powerpoint/2012/main" xmlns="">
+      <p15:sldGuideLst xmlns="" xmlns:p15="http://schemas.microsoft.com/office/powerpoint/2012/main">
         <p15:guide id="1" orient="horz" pos="2160">
           <p15:clr>
             <a:srgbClr val="A4A3A4"/>
@@ -6380,7 +6380,7 @@
         </p:nvSpPr>
         <p:spPr>
           <a:xfrm>
-            <a:off x="2214937" y="2993029"/>
+            <a:off x="2188582" y="2990305"/>
             <a:ext cx="4651369" cy="2857906"/>
           </a:xfrm>
           <a:prstGeom prst="roundRect">
@@ -6423,7 +6423,7 @@
         </p:nvSpPr>
         <p:spPr>
           <a:xfrm>
-            <a:off x="4045952" y="3677291"/>
+            <a:off x="4997875" y="3677291"/>
             <a:ext cx="1269898" cy="871326"/>
           </a:xfrm>
           <a:prstGeom prst="rect">
@@ -6434,6 +6434,11 @@
               <a:lumMod val="75000"/>
             </a:schemeClr>
           </a:solidFill>
+          <a:ln>
+            <a:solidFill>
+              <a:schemeClr val="bg1"/>
+            </a:solidFill>
+          </a:ln>
         </p:spPr>
         <p:style>
           <a:lnRef idx="1">
@@ -6466,7 +6471,7 @@
         </p:nvSpPr>
         <p:spPr>
           <a:xfrm>
-            <a:off x="4223147" y="4224579"/>
+            <a:off x="5207485" y="4224579"/>
             <a:ext cx="989339" cy="338554"/>
           </a:xfrm>
           <a:prstGeom prst="rect">
@@ -6481,10 +6486,18 @@
           <a:lstStyle/>
           <a:p>
             <a:r>
-              <a:rPr lang="en-US" altLang="zh-CN" sz="1600" b="1" dirty="0" err="1" smtClean="0"/>
+              <a:rPr lang="en-US" altLang="zh-CN" sz="1600" b="1" dirty="0" err="1" smtClean="0">
+                <a:solidFill>
+                  <a:srgbClr val="FFFFFF"/>
+                </a:solidFill>
+              </a:rPr>
               <a:t>Arduino</a:t>
             </a:r>
-            <a:endParaRPr lang="en-US" sz="1600" b="1" dirty="0"/>
+            <a:endParaRPr lang="en-US" sz="1600" b="1" dirty="0">
+              <a:solidFill>
+                <a:srgbClr val="FFFFFF"/>
+              </a:solidFill>
+            </a:endParaRPr>
           </a:p>
         </p:txBody>
       </p:sp>
@@ -6496,7 +6509,7 @@
         </p:nvSpPr>
         <p:spPr>
           <a:xfrm rot="5400000">
-            <a:off x="4518457" y="3663447"/>
+            <a:off x="5444551" y="3665192"/>
             <a:ext cx="376544" cy="745721"/>
           </a:xfrm>
           <a:prstGeom prst="snip2SameRect">
@@ -6537,7 +6550,7 @@
         </p:nvSpPr>
         <p:spPr>
           <a:xfrm>
-            <a:off x="4429876" y="3886026"/>
+            <a:off x="5307967" y="3886026"/>
             <a:ext cx="649714" cy="338554"/>
           </a:xfrm>
           <a:prstGeom prst="rect">
@@ -6552,10 +6565,18 @@
           <a:lstStyle/>
           <a:p>
             <a:r>
-              <a:rPr lang="en-US" altLang="zh-CN" sz="1600" dirty="0" err="1" smtClean="0"/>
+              <a:rPr lang="en-US" altLang="zh-CN" sz="1600" dirty="0" err="1" smtClean="0">
+                <a:solidFill>
+                  <a:schemeClr val="bg1"/>
+                </a:solidFill>
+              </a:rPr>
               <a:t>xBee</a:t>
             </a:r>
-            <a:endParaRPr lang="en-US" sz="1600" dirty="0"/>
+            <a:endParaRPr lang="en-US" sz="1600" dirty="0">
+              <a:solidFill>
+                <a:schemeClr val="bg1"/>
+              </a:solidFill>
+            </a:endParaRPr>
           </a:p>
         </p:txBody>
       </p:sp>
@@ -6611,7 +6632,7 @@
         </p:blipFill>
         <p:spPr>
           <a:xfrm>
-            <a:off x="4429876" y="5347403"/>
+            <a:off x="4105019" y="5343630"/>
             <a:ext cx="1202948" cy="1137186"/>
           </a:xfrm>
           <a:prstGeom prst="rect">
@@ -6703,37 +6724,7 @@
         </p:blipFill>
         <p:spPr>
           <a:xfrm>
-            <a:off x="6753412" y="3677291"/>
-            <a:ext cx="689463" cy="681922"/>
-          </a:xfrm>
-          <a:prstGeom prst="rect">
-            <a:avLst/>
-          </a:prstGeom>
-        </p:spPr>
-      </p:pic>
-      <p:pic>
-        <p:nvPicPr>
-          <p:cNvPr id="49" name="Picture 48" descr="ultra sensor.jpg"/>
-          <p:cNvPicPr>
-            <a:picLocks noChangeAspect="1"/>
-          </p:cNvPicPr>
-          <p:nvPr/>
-        </p:nvPicPr>
-        <p:blipFill>
-          <a:blip r:embed="rId5">
-            <a:extLst>
-              <a:ext uri="{28A0092B-C50C-407E-A947-70E740481C1C}">
-                <a14:useLocalDpi xmlns:a14="http://schemas.microsoft.com/office/drawing/2010/main" val="0"/>
-              </a:ext>
-            </a:extLst>
-          </a:blip>
-          <a:stretch>
-            <a:fillRect/>
-          </a:stretch>
-        </p:blipFill>
-        <p:spPr>
-          <a:xfrm>
-            <a:off x="6753412" y="4661708"/>
+            <a:off x="6744958" y="3916566"/>
             <a:ext cx="689463" cy="681922"/>
           </a:xfrm>
           <a:prstGeom prst="rect">
@@ -6779,7 +6770,7 @@
         </p:nvSpPr>
         <p:spPr>
           <a:xfrm>
-            <a:off x="7015718" y="4349426"/>
+            <a:off x="7015718" y="4596304"/>
             <a:ext cx="1082348" cy="338554"/>
           </a:xfrm>
           <a:prstGeom prst="rect">
@@ -6798,6 +6789,294 @@
               <a:t>UltraSonic</a:t>
             </a:r>
             <a:endParaRPr lang="en-US" sz="1600" dirty="0"/>
+          </a:p>
+        </p:txBody>
+      </p:sp>
+      <p:sp>
+        <p:nvSpPr>
+          <p:cNvPr id="16" name="Rectangle 15"/>
+          <p:cNvSpPr/>
+          <p:nvPr/>
+        </p:nvSpPr>
+        <p:spPr>
+          <a:xfrm>
+            <a:off x="2528688" y="3679036"/>
+            <a:ext cx="1269898" cy="871326"/>
+          </a:xfrm>
+          <a:prstGeom prst="rect">
+            <a:avLst/>
+          </a:prstGeom>
+          <a:solidFill>
+            <a:schemeClr val="bg2">
+              <a:lumMod val="75000"/>
+            </a:schemeClr>
+          </a:solidFill>
+          <a:ln>
+            <a:solidFill>
+              <a:srgbClr val="FFFFFF"/>
+            </a:solidFill>
+          </a:ln>
+        </p:spPr>
+        <p:style>
+          <a:lnRef idx="1">
+            <a:schemeClr val="accent1"/>
+          </a:lnRef>
+          <a:fillRef idx="3">
+            <a:schemeClr val="accent1"/>
+          </a:fillRef>
+          <a:effectRef idx="2">
+            <a:schemeClr val="accent1"/>
+          </a:effectRef>
+          <a:fontRef idx="minor">
+            <a:schemeClr val="lt1"/>
+          </a:fontRef>
+        </p:style>
+        <p:txBody>
+          <a:bodyPr rtlCol="0" anchor="ctr"/>
+          <a:lstStyle/>
+          <a:p>
+            <a:pPr algn="ctr"/>
+            <a:endParaRPr lang="en-US"/>
+          </a:p>
+        </p:txBody>
+      </p:sp>
+      <p:sp>
+        <p:nvSpPr>
+          <p:cNvPr id="17" name="TextBox 16"/>
+          <p:cNvSpPr txBox="1"/>
+          <p:nvPr/>
+        </p:nvSpPr>
+        <p:spPr>
+          <a:xfrm>
+            <a:off x="2705883" y="4226324"/>
+            <a:ext cx="989339" cy="338554"/>
+          </a:xfrm>
+          <a:prstGeom prst="rect">
+            <a:avLst/>
+          </a:prstGeom>
+          <a:noFill/>
+        </p:spPr>
+        <p:txBody>
+          <a:bodyPr wrap="square" rtlCol="0">
+            <a:spAutoFit/>
+          </a:bodyPr>
+          <a:lstStyle/>
+          <a:p>
+            <a:r>
+              <a:rPr lang="en-US" altLang="zh-CN" sz="1600" b="1" dirty="0" err="1" smtClean="0">
+                <a:solidFill>
+                  <a:srgbClr val="FFFFFF"/>
+                </a:solidFill>
+              </a:rPr>
+              <a:t>Arduino</a:t>
+            </a:r>
+            <a:endParaRPr lang="en-US" sz="1600" b="1" dirty="0">
+              <a:solidFill>
+                <a:srgbClr val="FFFFFF"/>
+              </a:solidFill>
+            </a:endParaRPr>
+          </a:p>
+        </p:txBody>
+      </p:sp>
+      <p:sp>
+        <p:nvSpPr>
+          <p:cNvPr id="19" name="Snip Same Side Corner Rectangle 18"/>
+          <p:cNvSpPr/>
+          <p:nvPr/>
+        </p:nvSpPr>
+        <p:spPr>
+          <a:xfrm rot="5400000">
+            <a:off x="2938468" y="3701438"/>
+            <a:ext cx="376544" cy="745721"/>
+          </a:xfrm>
+          <a:prstGeom prst="snip2SameRect">
+            <a:avLst/>
+          </a:prstGeom>
+          <a:solidFill>
+            <a:srgbClr val="FF0000"/>
+          </a:solidFill>
+        </p:spPr>
+        <p:style>
+          <a:lnRef idx="1">
+            <a:schemeClr val="accent1"/>
+          </a:lnRef>
+          <a:fillRef idx="3">
+            <a:schemeClr val="accent1"/>
+          </a:fillRef>
+          <a:effectRef idx="2">
+            <a:schemeClr val="accent1"/>
+          </a:effectRef>
+          <a:fontRef idx="minor">
+            <a:schemeClr val="lt1"/>
+          </a:fontRef>
+        </p:style>
+        <p:txBody>
+          <a:bodyPr rtlCol="0" anchor="ctr"/>
+          <a:lstStyle/>
+          <a:p>
+            <a:pPr algn="ctr"/>
+            <a:endParaRPr lang="en-US" dirty="0"/>
+          </a:p>
+        </p:txBody>
+      </p:sp>
+      <p:sp>
+        <p:nvSpPr>
+          <p:cNvPr id="18" name="TextBox 17"/>
+          <p:cNvSpPr txBox="1"/>
+          <p:nvPr/>
+        </p:nvSpPr>
+        <p:spPr>
+          <a:xfrm>
+            <a:off x="2849887" y="3918973"/>
+            <a:ext cx="649714" cy="338554"/>
+          </a:xfrm>
+          <a:prstGeom prst="rect">
+            <a:avLst/>
+          </a:prstGeom>
+          <a:noFill/>
+        </p:spPr>
+        <p:txBody>
+          <a:bodyPr wrap="square" rtlCol="0">
+            <a:spAutoFit/>
+          </a:bodyPr>
+          <a:lstStyle/>
+          <a:p>
+            <a:r>
+              <a:rPr lang="en-US" altLang="zh-CN" sz="1600" dirty="0" err="1" smtClean="0">
+                <a:solidFill>
+                  <a:srgbClr val="FFFFFF"/>
+                </a:solidFill>
+              </a:rPr>
+              <a:t>xBee</a:t>
+            </a:r>
+            <a:endParaRPr lang="en-US" sz="1600" dirty="0">
+              <a:solidFill>
+                <a:srgbClr val="FFFFFF"/>
+              </a:solidFill>
+            </a:endParaRPr>
+          </a:p>
+        </p:txBody>
+      </p:sp>
+      <p:sp>
+        <p:nvSpPr>
+          <p:cNvPr id="2" name="Left Arrow 1"/>
+          <p:cNvSpPr/>
+          <p:nvPr/>
+        </p:nvSpPr>
+        <p:spPr>
+          <a:xfrm>
+            <a:off x="6196824" y="4257527"/>
+            <a:ext cx="548134" cy="135179"/>
+          </a:xfrm>
+          <a:prstGeom prst="leftArrow">
+            <a:avLst/>
+          </a:prstGeom>
+          <a:solidFill>
+            <a:schemeClr val="accent3"/>
+          </a:solidFill>
+        </p:spPr>
+        <p:style>
+          <a:lnRef idx="1">
+            <a:schemeClr val="accent1"/>
+          </a:lnRef>
+          <a:fillRef idx="3">
+            <a:schemeClr val="accent1"/>
+          </a:fillRef>
+          <a:effectRef idx="2">
+            <a:schemeClr val="accent1"/>
+          </a:effectRef>
+          <a:fontRef idx="minor">
+            <a:schemeClr val="lt1"/>
+          </a:fontRef>
+        </p:style>
+        <p:txBody>
+          <a:bodyPr rtlCol="0" anchor="ctr"/>
+          <a:lstStyle/>
+          <a:p>
+            <a:pPr algn="ctr"/>
+            <a:endParaRPr lang="en-US"/>
+          </a:p>
+        </p:txBody>
+      </p:sp>
+      <p:sp>
+        <p:nvSpPr>
+          <p:cNvPr id="3" name="Right Arrow 2"/>
+          <p:cNvSpPr/>
+          <p:nvPr/>
+        </p:nvSpPr>
+        <p:spPr>
+          <a:xfrm rot="19094701">
+            <a:off x="4667474" y="4928096"/>
+            <a:ext cx="1429410" cy="127139"/>
+          </a:xfrm>
+          <a:prstGeom prst="rightArrow">
+            <a:avLst/>
+          </a:prstGeom>
+          <a:solidFill>
+            <a:srgbClr val="FBEC85"/>
+          </a:solidFill>
+        </p:spPr>
+        <p:style>
+          <a:lnRef idx="1">
+            <a:schemeClr val="accent1"/>
+          </a:lnRef>
+          <a:fillRef idx="3">
+            <a:schemeClr val="accent1"/>
+          </a:fillRef>
+          <a:effectRef idx="2">
+            <a:schemeClr val="accent1"/>
+          </a:effectRef>
+          <a:fontRef idx="minor">
+            <a:schemeClr val="lt1"/>
+          </a:fontRef>
+        </p:style>
+        <p:txBody>
+          <a:bodyPr rtlCol="0" anchor="ctr"/>
+          <a:lstStyle/>
+          <a:p>
+            <a:pPr algn="ctr"/>
+            <a:endParaRPr lang="en-US"/>
+          </a:p>
+        </p:txBody>
+      </p:sp>
+      <p:sp>
+        <p:nvSpPr>
+          <p:cNvPr id="4" name="Down Arrow 3"/>
+          <p:cNvSpPr/>
+          <p:nvPr/>
+        </p:nvSpPr>
+        <p:spPr>
+          <a:xfrm>
+            <a:off x="3062941" y="3287059"/>
+            <a:ext cx="134471" cy="391977"/>
+          </a:xfrm>
+          <a:prstGeom prst="downArrow">
+            <a:avLst/>
+          </a:prstGeom>
+          <a:solidFill>
+            <a:srgbClr val="FBEC85"/>
+          </a:solidFill>
+        </p:spPr>
+        <p:style>
+          <a:lnRef idx="1">
+            <a:schemeClr val="accent1"/>
+          </a:lnRef>
+          <a:fillRef idx="3">
+            <a:schemeClr val="accent1"/>
+          </a:fillRef>
+          <a:effectRef idx="2">
+            <a:schemeClr val="accent1"/>
+          </a:effectRef>
+          <a:fontRef idx="minor">
+            <a:schemeClr val="lt1"/>
+          </a:fontRef>
+        </p:style>
+        <p:txBody>
+          <a:bodyPr rtlCol="0" anchor="ctr"/>
+          <a:lstStyle/>
+          <a:p>
+            <a:pPr algn="ctr"/>
+            <a:endParaRPr lang="en-US"/>
           </a:p>
         </p:txBody>
       </p:sp>
@@ -6896,11 +7175,7 @@
           <a:p>
             <a:r>
               <a:rPr lang="en-US" altLang="zh-CN" sz="2000" b="1" dirty="0" smtClean="0"/>
-              <a:t>Sensor</a:t>
-            </a:r>
-            <a:r>
-              <a:rPr lang="en-US" altLang="zh-CN" sz="2000" b="1" dirty="0" smtClean="0"/>
-              <a:t>:</a:t>
+              <a:t>Sensor:</a:t>
             </a:r>
             <a:r>
               <a:rPr lang="zh-CN" altLang="en-US" sz="2000" b="1" dirty="0" smtClean="0"/>
@@ -6955,11 +7230,7 @@
             </a:r>
             <a:r>
               <a:rPr lang="en-US" altLang="zh-CN" sz="1800" b="1" dirty="0" smtClean="0"/>
-              <a:t>side</a:t>
-            </a:r>
-            <a:r>
-              <a:rPr lang="en-US" altLang="zh-CN" sz="1800" b="1" dirty="0" smtClean="0"/>
-              <a:t>:</a:t>
+              <a:t>side:</a:t>
             </a:r>
             <a:endParaRPr lang="en-US" altLang="zh-CN" sz="1800" b="1" dirty="0"/>
           </a:p>
@@ -7340,7 +7611,6 @@
               <a:rPr lang="en-US" altLang="zh-CN" sz="1600" dirty="0" smtClean="0"/>
               <a:t>control</a:t>
             </a:r>
-            <a:endParaRPr lang="en-US" altLang="zh-CN" sz="1600" dirty="0" smtClean="0"/>
           </a:p>
         </p:txBody>
       </p:sp>
@@ -8304,7 +8574,6 @@
               <a:rPr lang="en-US" altLang="zh-CN" sz="1800" dirty="0" smtClean="0"/>
               <a:t>coefficients</a:t>
             </a:r>
-            <a:endParaRPr lang="en-US" altLang="zh-CN" sz="1800" dirty="0" smtClean="0"/>
           </a:p>
           <a:p>
             <a:pPr>
@@ -8322,19 +8591,7 @@
                   </a:outerShdw>
                 </a:effectLst>
               </a:rPr>
-              <a:t>Future </a:t>
-            </a:r>
-            <a:r>
-              <a:rPr lang="en-US" b="1" dirty="0" smtClean="0">
-                <a:effectLst>
-                  <a:outerShdw blurRad="38100" dist="38100" dir="2700000" algn="tl">
-                    <a:srgbClr val="000000">
-                      <a:alpha val="43137"/>
-                    </a:srgbClr>
-                  </a:outerShdw>
-                </a:effectLst>
-              </a:rPr>
-              <a:t>Improvements:</a:t>
+              <a:t>Future Improvements:</a:t>
             </a:r>
             <a:endParaRPr lang="en-US" dirty="0" smtClean="0"/>
           </a:p>
@@ -9137,7 +9394,7 @@
   <a:extraClrSchemeLst/>
   <a:extLst>
     <a:ext uri="{05A4C25C-085E-4340-85A3-A5531E510DB2}">
-      <thm15:themeFamily xmlns:thm15="http://schemas.microsoft.com/office/thememl/2012/main" xmlns="" name="Office Theme" id="{62F939B6-93AF-4DB8-9C6B-D6C7DFDC589F}" vid="{4A3C46E8-61CC-4603-A589-7422A47A8E4A}"/>
+      <thm15:themeFamily xmlns="" xmlns:thm15="http://schemas.microsoft.com/office/thememl/2012/main" name="Office Theme" id="{62F939B6-93AF-4DB8-9C6B-D6C7DFDC589F}" vid="{4A3C46E8-61CC-4603-A589-7422A47A8E4A}"/>
     </a:ext>
   </a:extLst>
 </a:theme>

--- a/challenge#4/Challenge4_Group4.pptx
+++ b/challenge#4/Challenge4_Group4.pptx
@@ -114,7 +114,7 @@
   </p:defaultTextStyle>
   <p:extLst>
     <p:ext uri="{EFAFB233-063F-42B5-8137-9DF3F51BA10A}">
-      <p15:sldGuideLst xmlns="" xmlns:p15="http://schemas.microsoft.com/office/powerpoint/2012/main">
+      <p15:sldGuideLst xmlns:p15="http://schemas.microsoft.com/office/powerpoint/2012/main">
         <p15:guide id="1" orient="horz" pos="2160">
           <p15:clr>
             <a:srgbClr val="A4A3A4"/>
@@ -214,7 +214,7 @@
             <a:fld id="{7C192746-61B6-4906-A888-BD859954706E}" type="datetimeFigureOut">
               <a:rPr lang="en-US" smtClean="0"/>
               <a:pPr/>
-              <a:t>10/28/15</a:t>
+              <a:t>10/29/2015</a:t>
             </a:fld>
             <a:endParaRPr lang="en-US"/>
           </a:p>
@@ -855,7 +855,7 @@
             <a:fld id="{B1115196-1C6F-4784-83AC-30756D8F10B3}" type="datetimeFigureOut">
               <a:rPr lang="en-US" smtClean="0"/>
               <a:pPr/>
-              <a:t>10/28/15</a:t>
+              <a:t>10/29/2015</a:t>
             </a:fld>
             <a:endParaRPr lang="en-US"/>
           </a:p>
@@ -1285,7 +1285,7 @@
             <a:fld id="{B1115196-1C6F-4784-83AC-30756D8F10B3}" type="datetimeFigureOut">
               <a:rPr lang="en-US" smtClean="0"/>
               <a:pPr/>
-              <a:t>10/28/15</a:t>
+              <a:t>10/29/2015</a:t>
             </a:fld>
             <a:endParaRPr lang="en-US"/>
           </a:p>
@@ -1492,7 +1492,7 @@
             <a:fld id="{B1115196-1C6F-4784-83AC-30756D8F10B3}" type="datetimeFigureOut">
               <a:rPr lang="en-US" smtClean="0"/>
               <a:pPr/>
-              <a:t>10/28/15</a:t>
+              <a:t>10/29/2015</a:t>
             </a:fld>
             <a:endParaRPr lang="en-US"/>
           </a:p>
@@ -1765,7 +1765,7 @@
             <a:fld id="{B1115196-1C6F-4784-83AC-30756D8F10B3}" type="datetimeFigureOut">
               <a:rPr lang="en-US" smtClean="0"/>
               <a:pPr/>
-              <a:t>10/28/15</a:t>
+              <a:t>10/29/2015</a:t>
             </a:fld>
             <a:endParaRPr lang="en-US"/>
           </a:p>
@@ -2048,7 +2048,7 @@
             <a:fld id="{B1115196-1C6F-4784-83AC-30756D8F10B3}" type="datetimeFigureOut">
               <a:rPr lang="en-US" smtClean="0"/>
               <a:pPr/>
-              <a:t>10/28/15</a:t>
+              <a:t>10/29/2015</a:t>
             </a:fld>
             <a:endParaRPr lang="en-US"/>
           </a:p>
@@ -2285,7 +2285,7 @@
             <a:fld id="{B1115196-1C6F-4784-83AC-30756D8F10B3}" type="datetimeFigureOut">
               <a:rPr lang="en-US" smtClean="0"/>
               <a:pPr/>
-              <a:t>10/28/15</a:t>
+              <a:t>10/29/2015</a:t>
             </a:fld>
             <a:endParaRPr lang="en-US"/>
           </a:p>
@@ -2568,7 +2568,7 @@
             <a:fld id="{B1115196-1C6F-4784-83AC-30756D8F10B3}" type="datetimeFigureOut">
               <a:rPr lang="en-US" smtClean="0"/>
               <a:pPr/>
-              <a:t>10/28/15</a:t>
+              <a:t>10/29/2015</a:t>
             </a:fld>
             <a:endParaRPr lang="en-US"/>
           </a:p>
@@ -2997,7 +2997,7 @@
             <a:fld id="{B1115196-1C6F-4784-83AC-30756D8F10B3}" type="datetimeFigureOut">
               <a:rPr lang="en-US" smtClean="0"/>
               <a:pPr/>
-              <a:t>10/28/15</a:t>
+              <a:t>10/29/2015</a:t>
             </a:fld>
             <a:endParaRPr lang="en-US"/>
           </a:p>
@@ -3521,7 +3521,7 @@
             <a:fld id="{B1115196-1C6F-4784-83AC-30756D8F10B3}" type="datetimeFigureOut">
               <a:rPr lang="en-US" smtClean="0"/>
               <a:pPr/>
-              <a:t>10/28/15</a:t>
+              <a:t>10/29/2015</a:t>
             </a:fld>
             <a:endParaRPr lang="en-US"/>
           </a:p>
@@ -3884,7 +3884,7 @@
             <a:fld id="{B1115196-1C6F-4784-83AC-30756D8F10B3}" type="datetimeFigureOut">
               <a:rPr lang="en-US" smtClean="0"/>
               <a:pPr/>
-              <a:t>10/28/15</a:t>
+              <a:t>10/29/2015</a:t>
             </a:fld>
             <a:endParaRPr lang="en-US"/>
           </a:p>
@@ -4442,7 +4442,7 @@
             <a:fld id="{B1115196-1C6F-4784-83AC-30756D8F10B3}" type="datetimeFigureOut">
               <a:rPr lang="en-US" smtClean="0"/>
               <a:pPr/>
-              <a:t>10/28/15</a:t>
+              <a:t>10/29/2015</a:t>
             </a:fld>
             <a:endParaRPr lang="en-US"/>
           </a:p>
@@ -4669,7 +4669,7 @@
             <a:fld id="{B1115196-1C6F-4784-83AC-30756D8F10B3}" type="datetimeFigureOut">
               <a:rPr lang="en-US" smtClean="0"/>
               <a:pPr/>
-              <a:t>10/28/15</a:t>
+              <a:t>10/29/2015</a:t>
             </a:fld>
             <a:endParaRPr lang="en-US"/>
           </a:p>
@@ -4817,7 +4817,7 @@
             <a:fld id="{B1115196-1C6F-4784-83AC-30756D8F10B3}" type="datetimeFigureOut">
               <a:rPr lang="en-US" smtClean="0"/>
               <a:pPr/>
-              <a:t>10/28/15</a:t>
+              <a:t>10/29/2015</a:t>
             </a:fld>
             <a:endParaRPr lang="en-US"/>
           </a:p>
@@ -5284,7 +5284,7 @@
             <a:fld id="{B1115196-1C6F-4784-83AC-30756D8F10B3}" type="datetimeFigureOut">
               <a:rPr lang="en-US" smtClean="0"/>
               <a:pPr/>
-              <a:t>10/28/15</a:t>
+              <a:t>10/29/2015</a:t>
             </a:fld>
             <a:endParaRPr lang="en-US"/>
           </a:p>
@@ -5508,7 +5508,7 @@
             <a:fld id="{B1115196-1C6F-4784-83AC-30756D8F10B3}" type="datetimeFigureOut">
               <a:rPr lang="en-US" smtClean="0"/>
               <a:pPr/>
-              <a:t>10/28/15</a:t>
+              <a:t>10/29/2015</a:t>
             </a:fld>
             <a:endParaRPr lang="en-US"/>
           </a:p>
@@ -6280,7 +6280,7 @@
   <p:timing>
     <p:tnLst>
       <p:par>
-        <p:cTn xmlns:p14="http://schemas.microsoft.com/office/powerpoint/2010/main" id="1" dur="indefinite" restart="never" nodeType="tmRoot"/>
+        <p:cTn id="1" dur="indefinite" restart="never" nodeType="tmRoot"/>
       </p:par>
     </p:tnLst>
   </p:timing>
@@ -6380,7 +6380,7 @@
         </p:nvSpPr>
         <p:spPr>
           <a:xfrm>
-            <a:off x="2188582" y="2990305"/>
+            <a:off x="2188582" y="2946465"/>
             <a:ext cx="4651369" cy="2857906"/>
           </a:xfrm>
           <a:prstGeom prst="roundRect">
@@ -6589,7 +6589,7 @@
           <p:nvPr/>
         </p:nvPicPr>
         <p:blipFill>
-          <a:blip r:embed="rId2">
+          <a:blip r:embed="rId2" cstate="email">
             <a:extLst>
               <a:ext uri="{28A0092B-C50C-407E-A947-70E740481C1C}">
                 <a14:useLocalDpi xmlns:a14="http://schemas.microsoft.com/office/drawing/2010/main" val="0"/>
@@ -6601,9 +6601,9 @@
           </a:stretch>
         </p:blipFill>
         <p:spPr>
-          <a:xfrm>
-            <a:off x="2739121" y="2511451"/>
-            <a:ext cx="760480" cy="963156"/>
+          <a:xfrm rot="19203203">
+            <a:off x="2451340" y="2510061"/>
+            <a:ext cx="566167" cy="717057"/>
           </a:xfrm>
           <a:prstGeom prst="rect">
             <a:avLst/>
@@ -6619,7 +6619,7 @@
           <p:nvPr/>
         </p:nvPicPr>
         <p:blipFill>
-          <a:blip r:embed="rId3">
+          <a:blip r:embed="rId3" cstate="email">
             <a:extLst>
               <a:ext uri="{28A0092B-C50C-407E-A947-70E740481C1C}">
                 <a14:useLocalDpi xmlns:a14="http://schemas.microsoft.com/office/drawing/2010/main" val="0"/>
@@ -6649,14 +6649,26 @@
           <p:nvPr/>
         </p:nvPicPr>
         <p:blipFill>
-          <a:blip r:embed="rId4"/>
+          <a:blip r:embed="rId4">
+            <a:extLst>
+              <a:ext uri="{BEBA8EAE-BF5A-486C-A8C5-ECC9F3942E4B}">
+                <a14:imgProps xmlns:a14="http://schemas.microsoft.com/office/drawing/2010/main">
+                  <a14:imgLayer r:embed="rId5">
+                    <a14:imgEffect>
+                      <a14:backgroundRemoval t="10000" b="90000" l="10000" r="90000"/>
+                    </a14:imgEffect>
+                  </a14:imgLayer>
+                </a14:imgProps>
+              </a:ext>
+            </a:extLst>
+          </a:blip>
           <a:stretch>
             <a:fillRect/>
           </a:stretch>
         </p:blipFill>
         <p:spPr>
-          <a:xfrm>
-            <a:off x="1679655" y="1795058"/>
+          <a:xfrm rot="19204981">
+            <a:off x="1150944" y="2047332"/>
             <a:ext cx="2118931" cy="716393"/>
           </a:xfrm>
           <a:prstGeom prst="rect">
@@ -6672,8 +6684,8 @@
         </p:nvSpPr>
         <p:spPr>
           <a:xfrm>
-            <a:off x="3499601" y="2405529"/>
-            <a:ext cx="839813" cy="584776"/>
+            <a:off x="3064549" y="2159600"/>
+            <a:ext cx="1707884" cy="584775"/>
           </a:xfrm>
           <a:prstGeom prst="rect">
             <a:avLst/>
@@ -6686,19 +6698,16 @@
           </a:bodyPr>
           <a:lstStyle/>
           <a:p>
-            <a:r>
-              <a:rPr lang="en-US" altLang="zh-CN" sz="1600" dirty="0" smtClean="0"/>
-              <a:t>Speed</a:t>
-            </a:r>
-            <a:r>
-              <a:rPr lang="zh-CN" altLang="en-US" sz="1600" dirty="0" smtClean="0"/>
-              <a:t> </a:t>
-            </a:r>
-            <a:r>
-              <a:rPr lang="en-US" altLang="zh-CN" sz="1600" dirty="0" smtClean="0"/>
-              <a:t>Sensor</a:t>
-            </a:r>
-            <a:endParaRPr lang="en-US" sz="1600" dirty="0"/>
+            <a:pPr algn="ctr"/>
+            <a:r>
+              <a:rPr lang="en-US" sz="1600" b="1" dirty="0" err="1" smtClean="0"/>
+              <a:t>Photoreflector</a:t>
+            </a:r>
+            <a:r>
+              <a:rPr lang="en-US" sz="1600" b="1" dirty="0" smtClean="0"/>
+              <a:t> (Speed Sensor)</a:t>
+            </a:r>
+            <a:endParaRPr lang="en-US" sz="1600" b="1" dirty="0"/>
           </a:p>
         </p:txBody>
       </p:sp>
@@ -6711,7 +6720,7 @@
           <p:nvPr/>
         </p:nvPicPr>
         <p:blipFill>
-          <a:blip r:embed="rId5">
+          <a:blip r:embed="rId6" cstate="email">
             <a:extLst>
               <a:ext uri="{28A0092B-C50C-407E-A947-70E740481C1C}">
                 <a14:useLocalDpi xmlns:a14="http://schemas.microsoft.com/office/drawing/2010/main" val="0"/>
@@ -6724,7 +6733,7 @@
         </p:blipFill>
         <p:spPr>
           <a:xfrm>
-            <a:off x="6744958" y="3916566"/>
+            <a:off x="6802110" y="3916566"/>
             <a:ext cx="689463" cy="681922"/>
           </a:xfrm>
           <a:prstGeom prst="rect">
@@ -6740,8 +6749,8 @@
         </p:nvSpPr>
         <p:spPr>
           <a:xfrm>
-            <a:off x="5632824" y="5850935"/>
-            <a:ext cx="1059004" cy="338554"/>
+            <a:off x="5406889" y="5950422"/>
+            <a:ext cx="1101584" cy="584775"/>
           </a:xfrm>
           <a:prstGeom prst="rect">
             <a:avLst/>
@@ -6755,10 +6764,18 @@
           <a:lstStyle/>
           <a:p>
             <a:r>
-              <a:rPr lang="en-US" altLang="zh-CN" sz="1600" dirty="0" err="1" smtClean="0"/>
+              <a:rPr lang="en-US" altLang="zh-CN" sz="1600" b="1" dirty="0" err="1" smtClean="0"/>
               <a:t>LIDARLite</a:t>
             </a:r>
-            <a:endParaRPr lang="en-US" sz="1600" dirty="0"/>
+            <a:endParaRPr lang="en-US" altLang="zh-CN" sz="1600" b="1" dirty="0" smtClean="0"/>
+          </a:p>
+          <a:p>
+            <a:pPr algn="ctr"/>
+            <a:r>
+              <a:rPr lang="en-US" sz="1600" b="1" dirty="0" smtClean="0"/>
+              <a:t>Sensor</a:t>
+            </a:r>
+            <a:endParaRPr lang="en-US" sz="1600" b="1" dirty="0"/>
           </a:p>
         </p:txBody>
       </p:sp>
@@ -6771,7 +6788,7 @@
         <p:spPr>
           <a:xfrm>
             <a:off x="7015718" y="4596304"/>
-            <a:ext cx="1082348" cy="338554"/>
+            <a:ext cx="1091966" cy="584775"/>
           </a:xfrm>
           <a:prstGeom prst="rect">
             <a:avLst/>
@@ -6785,10 +6802,17 @@
           <a:lstStyle/>
           <a:p>
             <a:r>
-              <a:rPr lang="en-US" altLang="zh-CN" sz="1600" dirty="0" err="1" smtClean="0"/>
-              <a:t>UltraSonic</a:t>
-            </a:r>
-            <a:endParaRPr lang="en-US" sz="1600" dirty="0"/>
+              <a:rPr lang="en-US" altLang="zh-CN" sz="1600" b="1" dirty="0" smtClean="0"/>
+              <a:t>Ultrasonic</a:t>
+            </a:r>
+          </a:p>
+          <a:p>
+            <a:pPr algn="ctr"/>
+            <a:r>
+              <a:rPr lang="en-US" sz="1600" b="1" dirty="0" smtClean="0"/>
+              <a:t>Sensor</a:t>
+            </a:r>
+            <a:endParaRPr lang="en-US" sz="1600" b="1" dirty="0"/>
           </a:p>
         </p:txBody>
       </p:sp>
@@ -6965,8 +6989,8 @@
         </p:nvSpPr>
         <p:spPr>
           <a:xfrm>
-            <a:off x="6196824" y="4257527"/>
-            <a:ext cx="548134" cy="135179"/>
+            <a:off x="6377858" y="4243239"/>
+            <a:ext cx="338524" cy="135179"/>
           </a:xfrm>
           <a:prstGeom prst="leftArrow">
             <a:avLst/>
@@ -7006,8 +7030,8 @@
         </p:nvSpPr>
         <p:spPr>
           <a:xfrm rot="19094701">
-            <a:off x="4667474" y="4928096"/>
-            <a:ext cx="1429410" cy="127139"/>
+            <a:off x="4926722" y="4902169"/>
+            <a:ext cx="977517" cy="149473"/>
           </a:xfrm>
           <a:prstGeom prst="rightArrow">
             <a:avLst/>
@@ -7041,20 +7065,20 @@
       </p:sp>
       <p:sp>
         <p:nvSpPr>
-          <p:cNvPr id="4" name="Down Arrow 3"/>
+          <p:cNvPr id="30" name="Left Arrow 29"/>
           <p:cNvSpPr/>
           <p:nvPr/>
         </p:nvSpPr>
         <p:spPr>
           <a:xfrm>
-            <a:off x="3062941" y="3287059"/>
-            <a:ext cx="134471" cy="391977"/>
+            <a:off x="3918491" y="4228778"/>
+            <a:ext cx="933545" cy="147382"/>
           </a:xfrm>
-          <a:prstGeom prst="downArrow">
+          <a:prstGeom prst="leftArrow">
             <a:avLst/>
           </a:prstGeom>
           <a:solidFill>
-            <a:srgbClr val="FBEC85"/>
+            <a:schemeClr val="accent3"/>
           </a:solidFill>
         </p:spPr>
         <p:style>
@@ -7080,6 +7104,89 @@
           </a:p>
         </p:txBody>
       </p:sp>
+      <p:sp>
+        <p:nvSpPr>
+          <p:cNvPr id="32" name="Left Arrow 31"/>
+          <p:cNvSpPr/>
+          <p:nvPr/>
+        </p:nvSpPr>
+        <p:spPr>
+          <a:xfrm rot="14257616">
+            <a:off x="2958371" y="3297499"/>
+            <a:ext cx="366487" cy="160061"/>
+          </a:xfrm>
+          <a:prstGeom prst="leftArrow">
+            <a:avLst/>
+          </a:prstGeom>
+          <a:solidFill>
+            <a:schemeClr val="accent3"/>
+          </a:solidFill>
+        </p:spPr>
+        <p:style>
+          <a:lnRef idx="1">
+            <a:schemeClr val="accent1"/>
+          </a:lnRef>
+          <a:fillRef idx="3">
+            <a:schemeClr val="accent1"/>
+          </a:fillRef>
+          <a:effectRef idx="2">
+            <a:schemeClr val="accent1"/>
+          </a:effectRef>
+          <a:fontRef idx="minor">
+            <a:schemeClr val="lt1"/>
+          </a:fontRef>
+        </p:style>
+        <p:txBody>
+          <a:bodyPr rtlCol="0" anchor="ctr"/>
+          <a:lstStyle/>
+          <a:p>
+            <a:pPr algn="ctr"/>
+            <a:endParaRPr lang="en-US"/>
+          </a:p>
+        </p:txBody>
+      </p:sp>
+      <p:sp>
+        <p:nvSpPr>
+          <p:cNvPr id="11" name="TextBox 10"/>
+          <p:cNvSpPr txBox="1"/>
+          <p:nvPr/>
+        </p:nvSpPr>
+        <p:spPr>
+          <a:xfrm>
+            <a:off x="8248850" y="2098375"/>
+            <a:ext cx="553998" cy="4155475"/>
+          </a:xfrm>
+          <a:prstGeom prst="rect">
+            <a:avLst/>
+          </a:prstGeom>
+          <a:noFill/>
+          <a:ln>
+            <a:noFill/>
+          </a:ln>
+        </p:spPr>
+        <p:txBody>
+          <a:bodyPr vert="vert" wrap="square" rtlCol="0">
+            <a:spAutoFit/>
+          </a:bodyPr>
+          <a:lstStyle/>
+          <a:p>
+            <a:pPr algn="ctr"/>
+            <a:r>
+              <a:rPr lang="en-US" sz="2400" b="1" dirty="0" smtClean="0">
+                <a:solidFill>
+                  <a:schemeClr val="accent1"/>
+                </a:solidFill>
+              </a:rPr>
+              <a:t>Front</a:t>
+            </a:r>
+            <a:endParaRPr lang="en-US" sz="2400" b="1" dirty="0">
+              <a:solidFill>
+                <a:schemeClr val="accent1"/>
+              </a:solidFill>
+            </a:endParaRPr>
+          </a:p>
+        </p:txBody>
+      </p:sp>
     </p:spTree>
     <p:extLst>
       <p:ext uri="{BB962C8B-B14F-4D97-AF65-F5344CB8AC3E}">
@@ -7093,7 +7200,7 @@
   <p:timing>
     <p:tnLst>
       <p:par>
-        <p:cTn xmlns:p14="http://schemas.microsoft.com/office/powerpoint/2010/main" id="1" dur="indefinite" restart="never" nodeType="tmRoot"/>
+        <p:cTn id="1" dur="indefinite" restart="never" nodeType="tmRoot"/>
       </p:par>
     </p:tnLst>
   </p:timing>
@@ -7175,7 +7282,7 @@
           <a:p>
             <a:r>
               <a:rPr lang="en-US" altLang="zh-CN" sz="2000" b="1" dirty="0" smtClean="0"/>
-              <a:t>Sensor:</a:t>
+              <a:t>Sensors:</a:t>
             </a:r>
             <a:r>
               <a:rPr lang="zh-CN" altLang="en-US" sz="2000" b="1" dirty="0" smtClean="0"/>
@@ -7249,40 +7356,9 @@
             </a:r>
             <a:r>
               <a:rPr lang="en-US" altLang="zh-CN" sz="1600" dirty="0" smtClean="0"/>
-              <a:t>response</a:t>
-            </a:r>
-            <a:r>
-              <a:rPr lang="zh-CN" altLang="en-US" sz="1600" dirty="0" smtClean="0"/>
-              <a:t> </a:t>
-            </a:r>
-            <a:r>
-              <a:rPr lang="en-US" altLang="zh-CN" sz="1600" dirty="0" smtClean="0"/>
-              <a:t>(not</a:t>
-            </a:r>
-            <a:r>
-              <a:rPr lang="zh-CN" altLang="en-US" sz="1600" dirty="0" smtClean="0"/>
-              <a:t> </a:t>
-            </a:r>
-            <a:r>
-              <a:rPr lang="en-US" altLang="zh-CN" sz="1600" dirty="0" smtClean="0"/>
-              <a:t>much</a:t>
-            </a:r>
-            <a:r>
-              <a:rPr lang="zh-CN" altLang="en-US" sz="1600" dirty="0" smtClean="0"/>
-              <a:t> </a:t>
-            </a:r>
-            <a:r>
-              <a:rPr lang="en-US" altLang="zh-CN" sz="1600" dirty="0" smtClean="0"/>
-              <a:t>of</a:t>
-            </a:r>
-            <a:r>
-              <a:rPr lang="zh-CN" altLang="en-US" sz="1600" dirty="0" smtClean="0"/>
-              <a:t> </a:t>
-            </a:r>
-            <a:r>
-              <a:rPr lang="en-US" altLang="zh-CN" sz="1600" dirty="0" smtClean="0"/>
-              <a:t>noise)</a:t>
-            </a:r>
+              <a:t>measure</a:t>
+            </a:r>
+            <a:endParaRPr lang="en-US" altLang="zh-CN" sz="1600" dirty="0" smtClean="0"/>
           </a:p>
           <a:p>
             <a:pPr lvl="2">
@@ -7301,6 +7377,7 @@
               <a:rPr lang="en-US" altLang="zh-CN" sz="1600" dirty="0" smtClean="0"/>
               <a:t>response</a:t>
             </a:r>
+            <a:endParaRPr lang="en-US" altLang="zh-CN" sz="1600" dirty="0" smtClean="0"/>
           </a:p>
           <a:p>
             <a:pPr lvl="1">
@@ -7309,11 +7386,7 @@
             </a:pPr>
             <a:r>
               <a:rPr lang="en-US" altLang="zh-CN" sz="1800" b="1" dirty="0" smtClean="0"/>
-              <a:t>2</a:t>
-            </a:r>
-            <a:r>
-              <a:rPr lang="zh-CN" altLang="en-US" sz="1800" b="1" dirty="0" smtClean="0"/>
-              <a:t> </a:t>
+              <a:t>1 </a:t>
             </a:r>
             <a:r>
               <a:rPr lang="en-US" altLang="zh-CN" sz="1800" b="1" dirty="0" smtClean="0"/>
@@ -7359,7 +7432,31 @@
             </a:pPr>
             <a:r>
               <a:rPr lang="en-US" altLang="zh-CN" sz="1600" dirty="0" smtClean="0"/>
-              <a:t>Scalable</a:t>
+              <a:t>Effective</a:t>
+            </a:r>
+            <a:r>
+              <a:rPr lang="zh-CN" altLang="en-US" sz="1600" dirty="0" smtClean="0"/>
+              <a:t> </a:t>
+            </a:r>
+            <a:r>
+              <a:rPr lang="en-US" altLang="zh-CN" sz="1600" dirty="0" smtClean="0"/>
+              <a:t>in</a:t>
+            </a:r>
+            <a:r>
+              <a:rPr lang="zh-CN" altLang="en-US" sz="1600" dirty="0" smtClean="0"/>
+              <a:t> </a:t>
+            </a:r>
+            <a:r>
+              <a:rPr lang="en-US" altLang="zh-CN" sz="1600" dirty="0" smtClean="0"/>
+              <a:t>detecting</a:t>
+            </a:r>
+            <a:r>
+              <a:rPr lang="zh-CN" altLang="en-US" sz="1600" dirty="0" smtClean="0"/>
+              <a:t> </a:t>
+            </a:r>
+            <a:r>
+              <a:rPr lang="en-US" altLang="zh-CN" sz="1600" dirty="0" smtClean="0"/>
+              <a:t>obstacles ahead</a:t>
             </a:r>
           </a:p>
           <a:p>
@@ -7368,56 +7465,12 @@
               <a:buChar char="-"/>
             </a:pPr>
             <a:r>
+              <a:rPr lang="en-US" altLang="zh-CN" sz="1600" dirty="0"/>
+              <a:t>Scalable (easy to use multiples if needed</a:t>
+            </a:r>
+            <a:r>
               <a:rPr lang="en-US" altLang="zh-CN" sz="1600" dirty="0" smtClean="0"/>
-              <a:t>Effective</a:t>
-            </a:r>
-            <a:r>
-              <a:rPr lang="zh-CN" altLang="en-US" sz="1600" dirty="0" smtClean="0"/>
-              <a:t> </a:t>
-            </a:r>
-            <a:r>
-              <a:rPr lang="en-US" altLang="zh-CN" sz="1600" dirty="0" smtClean="0"/>
-              <a:t>in</a:t>
-            </a:r>
-            <a:r>
-              <a:rPr lang="zh-CN" altLang="en-US" sz="1600" dirty="0" smtClean="0"/>
-              <a:t> </a:t>
-            </a:r>
-            <a:r>
-              <a:rPr lang="en-US" altLang="zh-CN" sz="1600" dirty="0" smtClean="0"/>
-              <a:t>detecting</a:t>
-            </a:r>
-            <a:r>
-              <a:rPr lang="zh-CN" altLang="en-US" sz="1600" dirty="0" smtClean="0"/>
-              <a:t> </a:t>
-            </a:r>
-            <a:r>
-              <a:rPr lang="en-US" altLang="zh-CN" sz="1600" dirty="0" smtClean="0"/>
-              <a:t>corners</a:t>
-            </a:r>
-            <a:r>
-              <a:rPr lang="zh-CN" altLang="en-US" sz="1600" dirty="0" smtClean="0"/>
-              <a:t> </a:t>
-            </a:r>
-            <a:r>
-              <a:rPr lang="en-US" altLang="zh-CN" sz="1600" dirty="0" smtClean="0"/>
-              <a:t>and</a:t>
-            </a:r>
-            <a:r>
-              <a:rPr lang="zh-CN" altLang="en-US" sz="1600" dirty="0" smtClean="0"/>
-              <a:t> </a:t>
-            </a:r>
-            <a:r>
-              <a:rPr lang="en-US" altLang="zh-CN" sz="1600" dirty="0" smtClean="0"/>
-              <a:t>small</a:t>
-            </a:r>
-            <a:r>
-              <a:rPr lang="zh-CN" altLang="en-US" sz="1600" dirty="0" smtClean="0"/>
-              <a:t> </a:t>
-            </a:r>
-            <a:r>
-              <a:rPr lang="en-US" altLang="zh-CN" sz="1600" dirty="0" smtClean="0"/>
-              <a:t>obstacles</a:t>
+              <a:t>)</a:t>
             </a:r>
             <a:endParaRPr lang="en-US" altLang="zh-CN" sz="1600" b="1" dirty="0" smtClean="0"/>
           </a:p>
@@ -7435,24 +7488,8 @@
               <a:t> </a:t>
             </a:r>
             <a:r>
-              <a:rPr lang="en-US" altLang="zh-CN" sz="1800" b="1" dirty="0" smtClean="0"/>
-              <a:t>IR</a:t>
-            </a:r>
-            <a:r>
-              <a:rPr lang="zh-CN" altLang="en-US" sz="1800" b="1" dirty="0" smtClean="0"/>
-              <a:t> </a:t>
-            </a:r>
-            <a:r>
-              <a:rPr lang="en-US" altLang="zh-CN" sz="1800" b="1" dirty="0" smtClean="0"/>
-              <a:t>speed</a:t>
-            </a:r>
-            <a:r>
-              <a:rPr lang="zh-CN" altLang="en-US" sz="1800" b="1" dirty="0" smtClean="0"/>
-              <a:t> </a:t>
-            </a:r>
-            <a:r>
-              <a:rPr lang="en-US" altLang="zh-CN" sz="1800" b="1" dirty="0" smtClean="0"/>
-              <a:t>sensor</a:t>
+              <a:rPr lang="en-US" sz="1800" b="1" dirty="0" err="1"/>
+              <a:t>Photoreflector</a:t>
             </a:r>
             <a:r>
               <a:rPr lang="zh-CN" altLang="en-US" sz="1800" b="1" dirty="0" smtClean="0"/>
@@ -7585,7 +7622,7 @@
             </a:pPr>
             <a:r>
               <a:rPr lang="en-US" altLang="zh-CN" sz="1600" dirty="0" smtClean="0"/>
-              <a:t>Helpful</a:t>
+              <a:t>Can be helpful</a:t>
             </a:r>
             <a:r>
               <a:rPr lang="zh-CN" altLang="en-US" sz="1600" dirty="0" smtClean="0"/>
@@ -7627,7 +7664,7 @@
   <p:timing>
     <p:tnLst>
       <p:par>
-        <p:cTn xmlns:p14="http://schemas.microsoft.com/office/powerpoint/2010/main" id="1" dur="indefinite" restart="never" nodeType="tmRoot"/>
+        <p:cTn id="1" dur="indefinite" restart="never" nodeType="tmRoot"/>
       </p:par>
     </p:tnLst>
   </p:timing>
@@ -7751,15 +7788,23 @@
             </a:pPr>
             <a:r>
               <a:rPr lang="en-US" altLang="zh-CN" sz="1600" dirty="0" smtClean="0"/>
-              <a:t>PID</a:t>
-            </a:r>
-            <a:r>
-              <a:rPr lang="zh-CN" altLang="en-US" sz="1600" dirty="0" smtClean="0"/>
-              <a:t> </a:t>
-            </a:r>
-            <a:r>
-              <a:rPr lang="en-US" altLang="zh-CN" sz="1600" dirty="0" smtClean="0"/>
-              <a:t>algorithm</a:t>
+              <a:t>PID: </a:t>
+            </a:r>
+            <a:r>
+              <a:rPr lang="en-US" sz="1600" dirty="0" smtClean="0"/>
+              <a:t>Distance </a:t>
+            </a:r>
+            <a:r>
+              <a:rPr lang="en-US" sz="1600" dirty="0"/>
+              <a:t>to w</a:t>
+            </a:r>
+            <a:r>
+              <a:rPr lang="en-US" sz="1600" dirty="0" smtClean="0"/>
+              <a:t>all </a:t>
+            </a:r>
+            <a:r>
+              <a:rPr lang="en-US" sz="1600" dirty="0"/>
+              <a:t>control</a:t>
             </a:r>
             <a:endParaRPr lang="en-US" altLang="zh-CN" sz="1600" dirty="0"/>
           </a:p>
@@ -7851,23 +7896,7 @@
             </a:pPr>
             <a:r>
               <a:rPr lang="en-US" altLang="zh-CN" sz="1600" dirty="0" smtClean="0"/>
-              <a:t>Receive</a:t>
-            </a:r>
-            <a:r>
-              <a:rPr lang="zh-CN" altLang="en-US" sz="1600" dirty="0" smtClean="0"/>
-              <a:t> </a:t>
-            </a:r>
-            <a:r>
-              <a:rPr lang="en-US" altLang="zh-CN" sz="1600" dirty="0" smtClean="0"/>
-              <a:t>value</a:t>
-            </a:r>
-            <a:r>
-              <a:rPr lang="zh-CN" altLang="en-US" sz="1600" dirty="0" smtClean="0"/>
-              <a:t> </a:t>
-            </a:r>
-            <a:r>
-              <a:rPr lang="en-US" altLang="zh-CN" sz="1600" dirty="0" smtClean="0"/>
-              <a:t>from</a:t>
+              <a:t>Read data from</a:t>
             </a:r>
             <a:r>
               <a:rPr lang="zh-CN" altLang="en-US" sz="1600" dirty="0" smtClean="0"/>
@@ -7883,15 +7912,11 @@
             </a:r>
             <a:r>
               <a:rPr lang="en-US" altLang="zh-CN" sz="1600" dirty="0" smtClean="0"/>
-              <a:t>two</a:t>
-            </a:r>
-            <a:r>
-              <a:rPr lang="zh-CN" altLang="en-US" sz="1600" dirty="0" smtClean="0"/>
-              <a:t> </a:t>
+              <a:t>ultrasonic </a:t>
             </a:r>
             <a:r>
               <a:rPr lang="en-US" altLang="zh-CN" sz="1600" dirty="0" smtClean="0"/>
-              <a:t>sensors</a:t>
+              <a:t>sensor</a:t>
             </a:r>
             <a:r>
               <a:rPr lang="zh-CN" altLang="en-US" sz="1600" dirty="0" smtClean="0"/>
@@ -7916,42 +7941,6 @@
             <a:r>
               <a:rPr lang="en-US" altLang="zh-CN" sz="1600" dirty="0" smtClean="0"/>
               <a:t>if</a:t>
-            </a:r>
-            <a:r>
-              <a:rPr lang="zh-CN" altLang="en-US" sz="1600" dirty="0" smtClean="0"/>
-              <a:t> </a:t>
-            </a:r>
-            <a:r>
-              <a:rPr lang="en-US" altLang="zh-CN" sz="1600" dirty="0" smtClean="0"/>
-              <a:t>either</a:t>
-            </a:r>
-            <a:r>
-              <a:rPr lang="zh-CN" altLang="en-US" sz="1600" dirty="0" smtClean="0"/>
-              <a:t> </a:t>
-            </a:r>
-            <a:r>
-              <a:rPr lang="zh-CN" altLang="zh-CN" sz="1600" dirty="0" smtClean="0"/>
-              <a:t>o</a:t>
-            </a:r>
-            <a:r>
-              <a:rPr lang="en-US" altLang="zh-CN" sz="1600" dirty="0" smtClean="0"/>
-              <a:t>f</a:t>
-            </a:r>
-            <a:r>
-              <a:rPr lang="zh-CN" altLang="en-US" sz="1600" dirty="0" smtClean="0"/>
-              <a:t> </a:t>
-            </a:r>
-            <a:r>
-              <a:rPr lang="en-US" altLang="zh-CN" sz="1600" dirty="0" smtClean="0"/>
-              <a:t>them</a:t>
-            </a:r>
-            <a:r>
-              <a:rPr lang="zh-CN" altLang="en-US" sz="1600" dirty="0" smtClean="0"/>
-              <a:t> </a:t>
-            </a:r>
-            <a:r>
-              <a:rPr lang="en-US" altLang="zh-CN" sz="1600" dirty="0" smtClean="0"/>
-              <a:t>senses</a:t>
             </a:r>
             <a:r>
               <a:rPr lang="zh-CN" altLang="en-US" sz="1600" dirty="0" smtClean="0"/>
@@ -8082,9 +8071,13 @@
             </a:r>
             <a:r>
               <a:rPr lang="en-US" altLang="zh-CN" sz="1800" b="1" dirty="0" err="1" smtClean="0"/>
-              <a:t>xBee</a:t>
-            </a:r>
-            <a:endParaRPr lang="en-US" altLang="zh-CN" sz="1800" b="1" dirty="0" smtClean="0"/>
+              <a:t>XB</a:t>
+            </a:r>
+            <a:r>
+              <a:rPr lang="en-US" altLang="zh-CN" sz="1800" b="1" dirty="0" err="1" smtClean="0"/>
+              <a:t>ee</a:t>
+            </a:r>
+            <a:endParaRPr lang="en-US" altLang="zh-CN" sz="1600" b="1" dirty="0" smtClean="0"/>
           </a:p>
           <a:p>
             <a:pPr lvl="2">
@@ -8093,33 +8086,51 @@
             </a:pPr>
             <a:r>
               <a:rPr lang="en-US" altLang="zh-CN" sz="1600" dirty="0" smtClean="0"/>
-              <a:t>Sending</a:t>
-            </a:r>
-            <a:r>
-              <a:rPr lang="zh-CN" altLang="en-US" sz="1600" dirty="0" smtClean="0"/>
-              <a:t> </a:t>
+              <a:t>Using </a:t>
+            </a:r>
+            <a:r>
+              <a:rPr lang="en-US" altLang="zh-CN" sz="1600" dirty="0"/>
+              <a:t>to PAN </a:t>
             </a:r>
             <a:r>
               <a:rPr lang="en-US" altLang="zh-CN" sz="1600" dirty="0" smtClean="0"/>
-              <a:t>start/stop</a:t>
-            </a:r>
-            <a:r>
-              <a:rPr lang="zh-CN" altLang="en-US" sz="1600" dirty="0" smtClean="0"/>
-              <a:t> </a:t>
-            </a:r>
-            <a:r>
-              <a:rPr lang="en-US" altLang="zh-CN" sz="1600" dirty="0" smtClean="0"/>
-              <a:t>commands</a:t>
-            </a:r>
-          </a:p>
-          <a:p>
-            <a:pPr lvl="2">
+              <a:t>IDs:</a:t>
+            </a:r>
+          </a:p>
+          <a:p>
+            <a:pPr lvl="3">
               <a:buFont typeface="Lucida Grande"/>
               <a:buChar char="-"/>
             </a:pPr>
             <a:r>
+              <a:rPr lang="en-US" altLang="zh-CN" sz="1600" dirty="0"/>
+              <a:t>Send</a:t>
+            </a:r>
+            <a:r>
+              <a:rPr lang="zh-CN" altLang="en-US" sz="1600" dirty="0"/>
+              <a:t> </a:t>
+            </a:r>
+            <a:r>
+              <a:rPr lang="en-US" altLang="zh-CN" sz="1600" dirty="0"/>
+              <a:t>start/stop</a:t>
+            </a:r>
+            <a:r>
+              <a:rPr lang="zh-CN" altLang="en-US" sz="1600" dirty="0"/>
+              <a:t> </a:t>
+            </a:r>
+            <a:r>
               <a:rPr lang="en-US" altLang="zh-CN" sz="1600" dirty="0" smtClean="0"/>
-              <a:t>Monitoring</a:t>
+              <a:t>commands</a:t>
+            </a:r>
+          </a:p>
+          <a:p>
+            <a:pPr lvl="3">
+              <a:buFont typeface="Lucida Grande"/>
+              <a:buChar char="-"/>
+            </a:pPr>
+            <a:r>
+              <a:rPr lang="en-US" altLang="zh-CN" sz="1600" dirty="0" smtClean="0"/>
+              <a:t>Monitor</a:t>
             </a:r>
             <a:r>
               <a:rPr lang="zh-CN" altLang="en-US" sz="1600" dirty="0" smtClean="0"/>
@@ -8136,22 +8147,6 @@
             <a:r>
               <a:rPr lang="en-US" altLang="zh-CN" sz="1600" dirty="0" smtClean="0"/>
               <a:t>speed</a:t>
-            </a:r>
-            <a:r>
-              <a:rPr lang="zh-CN" altLang="en-US" sz="1600" dirty="0" smtClean="0"/>
-              <a:t> </a:t>
-            </a:r>
-            <a:r>
-              <a:rPr lang="en-US" altLang="zh-CN" sz="1600" dirty="0" smtClean="0"/>
-              <a:t>via</a:t>
-            </a:r>
-            <a:r>
-              <a:rPr lang="zh-CN" altLang="en-US" sz="1600" dirty="0" smtClean="0"/>
-              <a:t> </a:t>
-            </a:r>
-            <a:r>
-              <a:rPr lang="en-US" altLang="zh-CN" sz="1600" dirty="0" err="1" smtClean="0"/>
-              <a:t>xBee</a:t>
             </a:r>
             <a:endParaRPr lang="en-US" altLang="zh-CN" sz="1600" dirty="0" smtClean="0"/>
           </a:p>
@@ -8183,7 +8178,7 @@
   <p:timing>
     <p:tnLst>
       <p:par>
-        <p:cTn xmlns:p14="http://schemas.microsoft.com/office/powerpoint/2010/main" id="1" dur="indefinite" restart="never" nodeType="tmRoot"/>
+        <p:cTn id="1" dur="indefinite" restart="never" nodeType="tmRoot"/>
       </p:par>
     </p:tnLst>
   </p:timing>
@@ -8258,13 +8253,13 @@
         </p:nvSpPr>
         <p:spPr>
           <a:xfrm>
-            <a:off x="779463" y="1949824"/>
-            <a:ext cx="7583488" cy="4508126"/>
+            <a:off x="693734" y="1949824"/>
+            <a:ext cx="7735887" cy="4508126"/>
           </a:xfrm>
         </p:spPr>
         <p:txBody>
           <a:bodyPr>
-            <a:normAutofit lnSpcReduction="10000"/>
+            <a:normAutofit fontScale="92500"/>
           </a:bodyPr>
           <a:lstStyle/>
           <a:p>
@@ -8307,12 +8302,20 @@
               <a:t>the</a:t>
             </a:r>
             <a:r>
+              <a:rPr lang="en-US" altLang="zh-CN" sz="1800" dirty="0" smtClean="0"/>
+              <a:t> </a:t>
+            </a:r>
+            <a:r>
+              <a:rPr lang="en-US" altLang="zh-CN" sz="1800" dirty="0" smtClean="0"/>
+              <a:t>appropriate</a:t>
+            </a:r>
+            <a:r>
               <a:rPr lang="zh-CN" altLang="en-US" sz="1800" dirty="0" smtClean="0"/>
               <a:t> </a:t>
             </a:r>
             <a:r>
               <a:rPr lang="en-US" altLang="zh-CN" sz="1800" dirty="0" smtClean="0"/>
-              <a:t>proper</a:t>
+              <a:t>sensor</a:t>
             </a:r>
             <a:r>
               <a:rPr lang="zh-CN" altLang="en-US" sz="1800" dirty="0" smtClean="0"/>
@@ -8320,71 +8323,31 @@
             </a:r>
             <a:r>
               <a:rPr lang="en-US" altLang="zh-CN" sz="1800" dirty="0" smtClean="0"/>
-              <a:t>sensors</a:t>
+              <a:t>for </a:t>
+            </a:r>
+            <a:r>
+              <a:rPr lang="en-US" altLang="zh-CN" sz="1800" dirty="0"/>
+              <a:t>each task </a:t>
+            </a:r>
+            <a:r>
+              <a:rPr lang="en-US" altLang="zh-CN" sz="1800" dirty="0" smtClean="0"/>
+              <a:t>and calibrating</a:t>
             </a:r>
             <a:r>
               <a:rPr lang="zh-CN" altLang="en-US" sz="1800" dirty="0" smtClean="0"/>
               <a:t> </a:t>
             </a:r>
             <a:r>
+              <a:rPr lang="en-US" altLang="zh-CN" sz="1800" dirty="0"/>
+              <a:t>their</a:t>
+            </a:r>
+            <a:r>
+              <a:rPr lang="zh-CN" altLang="en-US" sz="1800" dirty="0"/>
+              <a:t> </a:t>
+            </a:r>
+            <a:r>
               <a:rPr lang="en-US" altLang="zh-CN" sz="1800" dirty="0" smtClean="0"/>
-              <a:t>to</a:t>
-            </a:r>
-            <a:r>
-              <a:rPr lang="zh-CN" altLang="en-US" sz="1800" dirty="0" smtClean="0"/>
-              <a:t> </a:t>
-            </a:r>
-            <a:r>
-              <a:rPr lang="en-US" altLang="zh-CN" sz="1800" dirty="0" smtClean="0"/>
-              <a:t>use</a:t>
-            </a:r>
-            <a:r>
-              <a:rPr lang="zh-CN" altLang="en-US" sz="1800" dirty="0" smtClean="0"/>
-              <a:t> </a:t>
-            </a:r>
-            <a:r>
-              <a:rPr lang="en-US" altLang="zh-CN" sz="1800" dirty="0" smtClean="0"/>
-              <a:t>and</a:t>
-            </a:r>
-            <a:r>
-              <a:rPr lang="zh-CN" altLang="en-US" sz="1800" dirty="0" smtClean="0"/>
-              <a:t> </a:t>
-            </a:r>
-            <a:r>
-              <a:rPr lang="en-US" altLang="zh-CN" sz="1800" dirty="0" smtClean="0"/>
-              <a:t>interfacing</a:t>
-            </a:r>
-            <a:r>
-              <a:rPr lang="zh-CN" altLang="en-US" sz="1800" dirty="0" smtClean="0"/>
-              <a:t> </a:t>
-            </a:r>
-            <a:r>
-              <a:rPr lang="en-US" altLang="zh-CN" sz="1800" dirty="0" smtClean="0"/>
-              <a:t>them</a:t>
-            </a:r>
-            <a:r>
-              <a:rPr lang="zh-CN" altLang="en-US" sz="1800" dirty="0" smtClean="0"/>
-              <a:t> </a:t>
-            </a:r>
-            <a:r>
-              <a:rPr lang="en-US" altLang="zh-CN" sz="1800" dirty="0" smtClean="0"/>
-              <a:t>together</a:t>
-            </a:r>
-            <a:r>
-              <a:rPr lang="zh-CN" altLang="en-US" sz="1800" dirty="0" smtClean="0"/>
-              <a:t> </a:t>
-            </a:r>
-            <a:r>
-              <a:rPr lang="en-US" altLang="zh-CN" sz="1800" dirty="0" smtClean="0"/>
-              <a:t>on</a:t>
-            </a:r>
-            <a:r>
-              <a:rPr lang="zh-CN" altLang="en-US" sz="1800" dirty="0" smtClean="0"/>
-              <a:t> </a:t>
-            </a:r>
-            <a:r>
-              <a:rPr lang="en-US" altLang="zh-CN" sz="1800" dirty="0" err="1" smtClean="0"/>
-              <a:t>Arduino</a:t>
+              <a:t>outputs</a:t>
             </a:r>
             <a:endParaRPr lang="en-US" altLang="zh-CN" sz="1800" dirty="0" smtClean="0"/>
           </a:p>
@@ -8398,7 +8361,11 @@
             </a:pPr>
             <a:r>
               <a:rPr lang="en-US" altLang="zh-CN" sz="1800" dirty="0" smtClean="0"/>
-              <a:t>Dealing</a:t>
+              <a:t>U</a:t>
+            </a:r>
+            <a:r>
+              <a:rPr lang="en-US" altLang="zh-CN" sz="1800" dirty="0" smtClean="0"/>
+              <a:t>sing the</a:t>
             </a:r>
             <a:r>
               <a:rPr lang="zh-CN" altLang="en-US" sz="1800" dirty="0" smtClean="0"/>
@@ -8406,7 +8373,7 @@
             </a:r>
             <a:r>
               <a:rPr lang="en-US" altLang="zh-CN" sz="1800" dirty="0" smtClean="0"/>
-              <a:t>with</a:t>
+              <a:t>PID</a:t>
             </a:r>
             <a:r>
               <a:rPr lang="zh-CN" altLang="en-US" sz="1800" dirty="0" smtClean="0"/>
@@ -8414,7 +8381,27 @@
             </a:r>
             <a:r>
               <a:rPr lang="en-US" altLang="zh-CN" sz="1800" dirty="0" smtClean="0"/>
-              <a:t>limitations</a:t>
+              <a:t>library</a:t>
+            </a:r>
+            <a:r>
+              <a:rPr lang="zh-CN" altLang="en-US" sz="1800" dirty="0" smtClean="0"/>
+              <a:t> </a:t>
+            </a:r>
+            <a:r>
+              <a:rPr lang="en-US" altLang="zh-CN" sz="1800" dirty="0" smtClean="0"/>
+              <a:t>and</a:t>
+            </a:r>
+            <a:r>
+              <a:rPr lang="zh-CN" altLang="en-US" sz="1800" dirty="0" smtClean="0"/>
+              <a:t> </a:t>
+            </a:r>
+            <a:r>
+              <a:rPr lang="en-US" altLang="zh-CN" sz="1800" dirty="0" smtClean="0"/>
+              <a:t>testing for</a:t>
+            </a:r>
+            <a:r>
+              <a:rPr lang="en-US" altLang="zh-CN" sz="1800" dirty="0" smtClean="0"/>
+              <a:t> the right combination</a:t>
             </a:r>
             <a:r>
               <a:rPr lang="zh-CN" altLang="en-US" sz="1800" dirty="0" smtClean="0"/>
@@ -8430,7 +8417,7 @@
             </a:r>
             <a:r>
               <a:rPr lang="en-US" altLang="zh-CN" sz="1800" dirty="0" smtClean="0"/>
-              <a:t>each</a:t>
+              <a:t>PID</a:t>
             </a:r>
             <a:r>
               <a:rPr lang="zh-CN" altLang="en-US" sz="1800" dirty="0" smtClean="0"/>
@@ -8438,41 +8425,8 @@
             </a:r>
             <a:r>
               <a:rPr lang="en-US" altLang="zh-CN" sz="1800" dirty="0" smtClean="0"/>
-              <a:t>sensor,</a:t>
-            </a:r>
-            <a:r>
-              <a:rPr lang="zh-CN" altLang="en-US" sz="1800" dirty="0" smtClean="0"/>
-              <a:t> </a:t>
-            </a:r>
-            <a:r>
-              <a:rPr lang="en-US" altLang="zh-CN" sz="1800" dirty="0" smtClean="0"/>
-              <a:t>calibrating</a:t>
-            </a:r>
-            <a:r>
-              <a:rPr lang="zh-CN" altLang="en-US" sz="1800" dirty="0" smtClean="0"/>
-              <a:t> </a:t>
-            </a:r>
-            <a:r>
-              <a:rPr lang="en-US" altLang="zh-CN" sz="1800" dirty="0" smtClean="0"/>
-              <a:t>the</a:t>
-            </a:r>
-            <a:r>
-              <a:rPr lang="zh-CN" altLang="en-US" sz="1800" dirty="0" smtClean="0"/>
-              <a:t> </a:t>
-            </a:r>
-            <a:r>
-              <a:rPr lang="en-US" altLang="zh-CN" sz="1800" dirty="0" smtClean="0"/>
-              <a:t>out</a:t>
-            </a:r>
-            <a:r>
-              <a:rPr lang="zh-CN" altLang="en-US" sz="1800" dirty="0" smtClean="0"/>
-              <a:t> </a:t>
-            </a:r>
-            <a:r>
-              <a:rPr lang="en-US" altLang="zh-CN" sz="1800" dirty="0" smtClean="0"/>
-              <a:t>puts</a:t>
-            </a:r>
-            <a:endParaRPr lang="en-US" sz="1800" dirty="0" smtClean="0"/>
+              <a:t>coefficients</a:t>
+            </a:r>
           </a:p>
           <a:p>
             <a:pPr lvl="1">
@@ -8483,96 +8437,50 @@
               <a:buChar char="§"/>
             </a:pPr>
             <a:r>
+              <a:rPr lang="en-US" altLang="zh-CN" sz="1800" dirty="0"/>
+              <a:t>Calculating the speed of the </a:t>
+            </a:r>
+            <a:r>
               <a:rPr lang="en-US" altLang="zh-CN" sz="1800" dirty="0" smtClean="0"/>
-              <a:t>Learning</a:t>
-            </a:r>
-            <a:r>
-              <a:rPr lang="zh-CN" altLang="en-US" sz="1800" dirty="0" smtClean="0"/>
-              <a:t> </a:t>
+              <a:t>wheel (issue with interrupt pins </a:t>
+            </a:r>
+            <a:r>
+              <a:rPr lang="en-US" altLang="zh-CN" sz="1800" dirty="0"/>
+              <a:t>in </a:t>
             </a:r>
             <a:r>
               <a:rPr lang="en-US" altLang="zh-CN" sz="1800" dirty="0" smtClean="0"/>
-              <a:t>to</a:t>
-            </a:r>
-            <a:r>
-              <a:rPr lang="zh-CN" altLang="en-US" sz="1800" dirty="0" smtClean="0"/>
-              <a:t> </a:t>
+              <a:t>lead </a:t>
+            </a:r>
+            <a:r>
+              <a:rPr lang="en-US" altLang="zh-CN" sz="1800" dirty="0"/>
+              <a:t>to less </a:t>
             </a:r>
             <a:r>
               <a:rPr lang="en-US" altLang="zh-CN" sz="1800" dirty="0" smtClean="0"/>
-              <a:t>use</a:t>
-            </a:r>
-            <a:r>
-              <a:rPr lang="zh-CN" altLang="en-US" sz="1800" dirty="0" smtClean="0"/>
-              <a:t> </a:t>
-            </a:r>
+              <a:t>accurate results)</a:t>
+            </a:r>
+            <a:endParaRPr lang="en-US" altLang="zh-CN" sz="1800" dirty="0" smtClean="0"/>
+          </a:p>
+          <a:p>
+            <a:pPr lvl="1">
+              <a:lnSpc>
+                <a:spcPct val="120000"/>
+              </a:lnSpc>
+              <a:buFont typeface="Wingdings" panose="05000000000000000000" pitchFamily="2" charset="2"/>
+              <a:buChar char="§"/>
+            </a:pPr>
             <a:r>
               <a:rPr lang="en-US" altLang="zh-CN" sz="1800" dirty="0" smtClean="0"/>
-              <a:t>PID</a:t>
-            </a:r>
-            <a:r>
-              <a:rPr lang="zh-CN" altLang="en-US" sz="1800" dirty="0" smtClean="0"/>
-              <a:t> </a:t>
+              <a:t>Using the </a:t>
+            </a:r>
+            <a:r>
+              <a:rPr lang="en-US" altLang="zh-CN" sz="1800" dirty="0" err="1" smtClean="0"/>
+              <a:t>XBee</a:t>
             </a:r>
             <a:r>
               <a:rPr lang="en-US" altLang="zh-CN" sz="1800" dirty="0" smtClean="0"/>
-              <a:t>libraries</a:t>
-            </a:r>
-            <a:r>
-              <a:rPr lang="zh-CN" altLang="en-US" sz="1800" dirty="0" smtClean="0"/>
-              <a:t> </a:t>
-            </a:r>
-            <a:r>
-              <a:rPr lang="en-US" altLang="zh-CN" sz="1800" dirty="0" smtClean="0"/>
-              <a:t>an</a:t>
-            </a:r>
-            <a:r>
-              <a:rPr lang="zh-CN" altLang="en-US" sz="1800" dirty="0" smtClean="0"/>
-              <a:t> </a:t>
-            </a:r>
-            <a:r>
-              <a:rPr lang="en-US" altLang="zh-CN" sz="1800" dirty="0" smtClean="0"/>
-              <a:t>testing</a:t>
-            </a:r>
-            <a:r>
-              <a:rPr lang="zh-CN" altLang="en-US" sz="1800" dirty="0" smtClean="0"/>
-              <a:t> </a:t>
-            </a:r>
-            <a:r>
-              <a:rPr lang="en-US" altLang="zh-CN" sz="1800" dirty="0" smtClean="0"/>
-              <a:t>on</a:t>
-            </a:r>
-            <a:r>
-              <a:rPr lang="zh-CN" altLang="en-US" sz="1800" dirty="0" smtClean="0"/>
-              <a:t> </a:t>
-            </a:r>
-            <a:r>
-              <a:rPr lang="en-US" altLang="zh-CN" sz="1800" dirty="0" smtClean="0"/>
-              <a:t>combination</a:t>
-            </a:r>
-            <a:r>
-              <a:rPr lang="zh-CN" altLang="en-US" sz="1800" dirty="0" smtClean="0"/>
-              <a:t> </a:t>
-            </a:r>
-            <a:r>
-              <a:rPr lang="en-US" altLang="zh-CN" sz="1800" dirty="0" smtClean="0"/>
-              <a:t>of</a:t>
-            </a:r>
-            <a:r>
-              <a:rPr lang="zh-CN" altLang="en-US" sz="1800" dirty="0" smtClean="0"/>
-              <a:t> </a:t>
-            </a:r>
-            <a:r>
-              <a:rPr lang="en-US" altLang="zh-CN" sz="1800" dirty="0" smtClean="0"/>
-              <a:t>PID</a:t>
-            </a:r>
-            <a:r>
-              <a:rPr lang="zh-CN" altLang="en-US" sz="1800" dirty="0" smtClean="0"/>
-              <a:t> </a:t>
-            </a:r>
-            <a:r>
-              <a:rPr lang="en-US" altLang="zh-CN" sz="1800" dirty="0" smtClean="0"/>
-              <a:t>coefficients</a:t>
+              <a:t> to both send data and receive commands</a:t>
             </a:r>
           </a:p>
           <a:p>
@@ -8591,7 +8499,19 @@
                   </a:outerShdw>
                 </a:effectLst>
               </a:rPr>
-              <a:t>Future Improvements:</a:t>
+              <a:t>Future </a:t>
+            </a:r>
+            <a:r>
+              <a:rPr lang="en-US" b="1" dirty="0" smtClean="0">
+                <a:effectLst>
+                  <a:outerShdw blurRad="38100" dist="38100" dir="2700000" algn="tl">
+                    <a:srgbClr val="000000">
+                      <a:alpha val="43137"/>
+                    </a:srgbClr>
+                  </a:outerShdw>
+                </a:effectLst>
+              </a:rPr>
+              <a:t>Improvements:</a:t>
             </a:r>
             <a:endParaRPr lang="en-US" dirty="0" smtClean="0"/>
           </a:p>
@@ -8653,12 +8573,13 @@
             </a:r>
             <a:r>
               <a:rPr lang="en-US" altLang="zh-CN" sz="1800" dirty="0" smtClean="0"/>
-              <a:t>environment</a:t>
+              <a:t>environments</a:t>
             </a:r>
             <a:r>
               <a:rPr lang="en-US" sz="1800" dirty="0" smtClean="0"/>
               <a:t>:</a:t>
             </a:r>
+            <a:endParaRPr lang="en-US" sz="1800" dirty="0" smtClean="0"/>
           </a:p>
           <a:p>
             <a:pPr lvl="2">
@@ -8670,7 +8591,7 @@
             </a:pPr>
             <a:r>
               <a:rPr lang="en-US" altLang="zh-CN" sz="1600" dirty="0" smtClean="0"/>
-              <a:t>Make</a:t>
+              <a:t>Taking</a:t>
             </a:r>
             <a:r>
               <a:rPr lang="zh-CN" altLang="en-US" sz="1600" dirty="0" smtClean="0"/>
@@ -8680,15 +8601,6 @@
               <a:rPr lang="en-US" altLang="zh-CN" sz="1600" dirty="0" smtClean="0"/>
               <a:t>turns</a:t>
             </a:r>
-            <a:r>
-              <a:rPr lang="zh-CN" altLang="en-US" sz="1600" dirty="0" smtClean="0"/>
-              <a:t>,</a:t>
-            </a:r>
-            <a:r>
-              <a:rPr lang="en-US" altLang="zh-CN" sz="1600" dirty="0" smtClean="0"/>
-              <a:t>etc.</a:t>
-            </a:r>
-            <a:endParaRPr lang="en-US" sz="1600" dirty="0" smtClean="0"/>
           </a:p>
           <a:p>
             <a:pPr lvl="1">
@@ -8707,15 +8619,15 @@
               <a:t> </a:t>
             </a:r>
             <a:r>
-              <a:rPr lang="en-US" altLang="zh-CN" sz="1800" dirty="0" smtClean="0"/>
+              <a:rPr lang="en-US" altLang="zh-CN" sz="1800" dirty="0"/>
               <a:t>remote</a:t>
             </a:r>
             <a:r>
-              <a:rPr lang="zh-CN" altLang="en-US" sz="1800" dirty="0" smtClean="0"/>
-              <a:t> </a:t>
-            </a:r>
-            <a:r>
-              <a:rPr lang="en-US" altLang="zh-CN" sz="1800" dirty="0" smtClean="0"/>
+              <a:rPr lang="zh-CN" altLang="en-US" sz="1800" dirty="0"/>
+              <a:t> </a:t>
+            </a:r>
+            <a:r>
+              <a:rPr lang="en-US" altLang="zh-CN" sz="1800" dirty="0"/>
               <a:t>control</a:t>
             </a:r>
             <a:r>
@@ -8729,49 +8641,43 @@
               <a:lnSpc>
                 <a:spcPct val="120000"/>
               </a:lnSpc>
-              <a:buFont typeface="Wingdings" panose="05000000000000000000" pitchFamily="2" charset="2"/>
-              <a:buChar char="§"/>
+              <a:buFont typeface="Lucida Grande"/>
+              <a:buChar char="-"/>
             </a:pPr>
             <a:r>
-              <a:rPr lang="en-US" altLang="zh-CN" sz="1600" dirty="0" smtClean="0"/>
-              <a:t>Change</a:t>
-            </a:r>
-            <a:r>
-              <a:rPr lang="zh-CN" altLang="en-US" sz="1600" dirty="0" smtClean="0"/>
-              <a:t> </a:t>
-            </a:r>
-            <a:r>
-              <a:rPr lang="en-US" altLang="zh-CN" sz="1600" dirty="0" smtClean="0"/>
+              <a:rPr lang="en-US" altLang="zh-CN" sz="1600" dirty="0"/>
+              <a:t>Changing</a:t>
+            </a:r>
+            <a:r>
+              <a:rPr lang="zh-CN" altLang="en-US" sz="1600" dirty="0"/>
+              <a:t> </a:t>
+            </a:r>
+            <a:r>
+              <a:rPr lang="en-US" altLang="zh-CN" sz="1600" dirty="0"/>
               <a:t>speed,</a:t>
             </a:r>
             <a:r>
-              <a:rPr lang="zh-CN" altLang="en-US" sz="1600" dirty="0" smtClean="0"/>
-              <a:t> </a:t>
-            </a:r>
-            <a:r>
-              <a:rPr lang="en-US" altLang="zh-CN" sz="1600" dirty="0" smtClean="0"/>
-              <a:t>make</a:t>
-            </a:r>
-            <a:r>
-              <a:rPr lang="zh-CN" altLang="en-US" sz="1600" dirty="0" smtClean="0"/>
-              <a:t> </a:t>
-            </a:r>
-            <a:r>
-              <a:rPr lang="en-US" altLang="zh-CN" sz="1600" dirty="0" smtClean="0"/>
-              <a:t>turns,</a:t>
-            </a:r>
-            <a:r>
               <a:rPr lang="zh-CN" altLang="en-US" sz="1600" dirty="0"/>
-              <a:t> </a:t>
-            </a:r>
-            <a:r>
-              <a:rPr lang="en-US" altLang="zh-CN" sz="1600" dirty="0" smtClean="0"/>
-              <a:t>etc.</a:t>
-            </a:r>
-            <a:r>
-              <a:rPr lang="zh-CN" altLang="en-US" sz="1600" dirty="0" smtClean="0"/>
-              <a:t> </a:t>
-            </a:r>
+              <a:t>  </a:t>
+            </a:r>
+            <a:r>
+              <a:rPr lang="en-US" altLang="zh-CN" sz="1600" dirty="0"/>
+              <a:t>turning</a:t>
+            </a:r>
+            <a:r>
+              <a:rPr lang="zh-CN" altLang="en-US" sz="1600" dirty="0"/>
+              <a:t> </a:t>
+            </a:r>
+            <a:endParaRPr lang="en-US" sz="1600" dirty="0"/>
+          </a:p>
+          <a:p>
+            <a:pPr lvl="2">
+              <a:lnSpc>
+                <a:spcPct val="120000"/>
+              </a:lnSpc>
+              <a:buFont typeface="Lucida Grande"/>
+              <a:buChar char="-"/>
+            </a:pPr>
             <a:endParaRPr lang="en-US" sz="1600" dirty="0" smtClean="0"/>
           </a:p>
           <a:p>
@@ -8801,7 +8707,7 @@
   <p:timing>
     <p:tnLst>
       <p:par>
-        <p:cTn xmlns:p14="http://schemas.microsoft.com/office/powerpoint/2010/main" id="1" dur="indefinite" restart="never" nodeType="tmRoot"/>
+        <p:cTn id="1" dur="indefinite" restart="never" nodeType="tmRoot"/>
       </p:par>
     </p:tnLst>
   </p:timing>
@@ -8900,7 +8806,7 @@
   <p:timing>
     <p:tnLst>
       <p:par>
-        <p:cTn xmlns:p14="http://schemas.microsoft.com/office/powerpoint/2010/main" id="1" dur="indefinite" restart="never" nodeType="tmRoot"/>
+        <p:cTn id="1" dur="indefinite" restart="never" nodeType="tmRoot"/>
       </p:par>
     </p:tnLst>
   </p:timing>
@@ -9394,7 +9300,7 @@
   <a:extraClrSchemeLst/>
   <a:extLst>
     <a:ext uri="{05A4C25C-085E-4340-85A3-A5531E510DB2}">
-      <thm15:themeFamily xmlns="" xmlns:thm15="http://schemas.microsoft.com/office/thememl/2012/main" name="Office Theme" id="{62F939B6-93AF-4DB8-9C6B-D6C7DFDC589F}" vid="{4A3C46E8-61CC-4603-A589-7422A47A8E4A}"/>
+      <thm15:themeFamily xmlns:thm15="http://schemas.microsoft.com/office/thememl/2012/main" name="Office Theme" id="{62F939B6-93AF-4DB8-9C6B-D6C7DFDC589F}" vid="{4A3C46E8-61CC-4603-A589-7422A47A8E4A}"/>
     </a:ext>
   </a:extLst>
 </a:theme>
